--- a/Vakken Y2/Scriptie/Meetings/Week2_2025_ScriptiePresentatie.pptx
+++ b/Vakken Y2/Scriptie/Meetings/Week2_2025_ScriptiePresentatie.pptx
@@ -117,6 +117,11 @@
       </a:defRPr>
     </a:lvl9pPr>
   </p:defaultTextStyle>
+  <p:extLst>
+    <p:ext uri="{EFAFB233-063F-42B5-8137-9DF3F51BA10A}">
+      <p15:sldGuideLst xmlns:p15="http://schemas.microsoft.com/office/powerpoint/2012/main"/>
+    </p:ext>
+  </p:extLst>
 </p:presentation>
 </file>
 
@@ -6665,9 +6670,44 @@
         </p:blipFill>
         <p:spPr>
           <a:xfrm>
-            <a:off x="900752" y="1630907"/>
-            <a:ext cx="3882788" cy="4708477"/>
+            <a:off x="838200" y="1813517"/>
+            <a:ext cx="3307676" cy="4011065"/>
           </a:xfrm>
+        </p:spPr>
+      </p:pic>
+      <p:pic>
+        <p:nvPicPr>
+          <p:cNvPr id="4" name="Picture 3" descr="A screenshot of a cell phone&#10;&#10;Description automatically generated">
+            <a:extLst>
+              <a:ext uri="{FF2B5EF4-FFF2-40B4-BE49-F238E27FC236}">
+                <a16:creationId xmlns:a16="http://schemas.microsoft.com/office/drawing/2014/main" id="{083DB15F-5B0A-A86D-2CBD-9AA203956080}"/>
+              </a:ext>
+            </a:extLst>
+          </p:cNvPr>
+          <p:cNvPicPr>
+            <a:picLocks noChangeAspect="1"/>
+          </p:cNvPicPr>
+          <p:nvPr/>
+        </p:nvPicPr>
+        <p:blipFill>
+          <a:blip r:embed="rId3">
+            <a:extLst>
+              <a:ext uri="{28A0092B-C50C-407E-A947-70E740481C1C}">
+                <a14:useLocalDpi xmlns:a14="http://schemas.microsoft.com/office/drawing/2010/main" val="0"/>
+              </a:ext>
+            </a:extLst>
+          </a:blip>
+          <a:srcRect l="20681" t="11145" r="24205" b="32736"/>
+          <a:stretch/>
+        </p:blipFill>
+        <p:spPr>
+          <a:xfrm>
+            <a:off x="4556851" y="0"/>
+            <a:ext cx="3489275" cy="6739558"/>
+          </a:xfrm>
+          <a:prstGeom prst="rect">
+            <a:avLst/>
+          </a:prstGeom>
         </p:spPr>
       </p:pic>
     </p:spTree>

--- a/Vakken Y2/Scriptie/Meetings/Week2_2025_ScriptiePresentatie.pptx
+++ b/Vakken Y2/Scriptie/Meetings/Week2_2025_ScriptiePresentatie.pptx
@@ -207,7 +207,7 @@
           <a:p>
             <a:fld id="{B5A63D45-156C-4F31-93B0-A83A7CF945F6}" type="datetimeFigureOut">
               <a:rPr lang="en-NL" smtClean="0"/>
-              <a:t>07/01/2025</a:t>
+              <a:t>01/08/2025</a:t>
             </a:fld>
             <a:endParaRPr lang="en-NL"/>
           </a:p>
@@ -708,7 +708,7 @@
           <a:p>
             <a:fld id="{66C1B9D4-562C-4759-BF92-FE63116ED95A}" type="datetimeFigureOut">
               <a:rPr lang="en-NL" smtClean="0"/>
-              <a:t>07/01/2025</a:t>
+              <a:t>01/08/2025</a:t>
             </a:fld>
             <a:endParaRPr lang="en-NL"/>
           </a:p>
@@ -908,7 +908,7 @@
           <a:p>
             <a:fld id="{66C1B9D4-562C-4759-BF92-FE63116ED95A}" type="datetimeFigureOut">
               <a:rPr lang="en-NL" smtClean="0"/>
-              <a:t>07/01/2025</a:t>
+              <a:t>01/08/2025</a:t>
             </a:fld>
             <a:endParaRPr lang="en-NL"/>
           </a:p>
@@ -1118,7 +1118,7 @@
           <a:p>
             <a:fld id="{66C1B9D4-562C-4759-BF92-FE63116ED95A}" type="datetimeFigureOut">
               <a:rPr lang="en-NL" smtClean="0"/>
-              <a:t>07/01/2025</a:t>
+              <a:t>01/08/2025</a:t>
             </a:fld>
             <a:endParaRPr lang="en-NL"/>
           </a:p>
@@ -1318,7 +1318,7 @@
           <a:p>
             <a:fld id="{66C1B9D4-562C-4759-BF92-FE63116ED95A}" type="datetimeFigureOut">
               <a:rPr lang="en-NL" smtClean="0"/>
-              <a:t>07/01/2025</a:t>
+              <a:t>01/08/2025</a:t>
             </a:fld>
             <a:endParaRPr lang="en-NL"/>
           </a:p>
@@ -1594,7 +1594,7 @@
           <a:p>
             <a:fld id="{66C1B9D4-562C-4759-BF92-FE63116ED95A}" type="datetimeFigureOut">
               <a:rPr lang="en-NL" smtClean="0"/>
-              <a:t>07/01/2025</a:t>
+              <a:t>01/08/2025</a:t>
             </a:fld>
             <a:endParaRPr lang="en-NL"/>
           </a:p>
@@ -1862,7 +1862,7 @@
           <a:p>
             <a:fld id="{66C1B9D4-562C-4759-BF92-FE63116ED95A}" type="datetimeFigureOut">
               <a:rPr lang="en-NL" smtClean="0"/>
-              <a:t>07/01/2025</a:t>
+              <a:t>01/08/2025</a:t>
             </a:fld>
             <a:endParaRPr lang="en-NL"/>
           </a:p>
@@ -2277,7 +2277,7 @@
           <a:p>
             <a:fld id="{66C1B9D4-562C-4759-BF92-FE63116ED95A}" type="datetimeFigureOut">
               <a:rPr lang="en-NL" smtClean="0"/>
-              <a:t>07/01/2025</a:t>
+              <a:t>01/08/2025</a:t>
             </a:fld>
             <a:endParaRPr lang="en-NL"/>
           </a:p>
@@ -2419,7 +2419,7 @@
           <a:p>
             <a:fld id="{66C1B9D4-562C-4759-BF92-FE63116ED95A}" type="datetimeFigureOut">
               <a:rPr lang="en-NL" smtClean="0"/>
-              <a:t>07/01/2025</a:t>
+              <a:t>01/08/2025</a:t>
             </a:fld>
             <a:endParaRPr lang="en-NL"/>
           </a:p>
@@ -2532,7 +2532,7 @@
           <a:p>
             <a:fld id="{66C1B9D4-562C-4759-BF92-FE63116ED95A}" type="datetimeFigureOut">
               <a:rPr lang="en-NL" smtClean="0"/>
-              <a:t>07/01/2025</a:t>
+              <a:t>01/08/2025</a:t>
             </a:fld>
             <a:endParaRPr lang="en-NL"/>
           </a:p>
@@ -2845,7 +2845,7 @@
           <a:p>
             <a:fld id="{66C1B9D4-562C-4759-BF92-FE63116ED95A}" type="datetimeFigureOut">
               <a:rPr lang="en-NL" smtClean="0"/>
-              <a:t>07/01/2025</a:t>
+              <a:t>01/08/2025</a:t>
             </a:fld>
             <a:endParaRPr lang="en-NL"/>
           </a:p>
@@ -3134,7 +3134,7 @@
           <a:p>
             <a:fld id="{66C1B9D4-562C-4759-BF92-FE63116ED95A}" type="datetimeFigureOut">
               <a:rPr lang="en-NL" smtClean="0"/>
-              <a:t>07/01/2025</a:t>
+              <a:t>01/08/2025</a:t>
             </a:fld>
             <a:endParaRPr lang="en-NL"/>
           </a:p>
@@ -3377,7 +3377,7 @@
           <a:p>
             <a:fld id="{66C1B9D4-562C-4759-BF92-FE63116ED95A}" type="datetimeFigureOut">
               <a:rPr lang="en-NL" smtClean="0"/>
-              <a:t>07/01/2025</a:t>
+              <a:t>01/08/2025</a:t>
             </a:fld>
             <a:endParaRPr lang="en-NL"/>
           </a:p>
@@ -3865,6 +3865,210 @@
           </a:p>
         </p:txBody>
       </p:sp>
+      <p:sp>
+        <p:nvSpPr>
+          <p:cNvPr id="4" name="Subtitle 2">
+            <a:extLst>
+              <a:ext uri="{FF2B5EF4-FFF2-40B4-BE49-F238E27FC236}">
+                <a16:creationId xmlns:a16="http://schemas.microsoft.com/office/drawing/2014/main" id="{0479D085-C9B4-B9CF-9B20-BD4FBFDD0A77}"/>
+              </a:ext>
+            </a:extLst>
+          </p:cNvPr>
+          <p:cNvSpPr txBox="1">
+            <a:spLocks/>
+          </p:cNvSpPr>
+          <p:nvPr/>
+        </p:nvSpPr>
+        <p:spPr>
+          <a:xfrm>
+            <a:off x="1898970" y="3784234"/>
+            <a:ext cx="9144000" cy="1655762"/>
+          </a:xfrm>
+          <a:prstGeom prst="rect">
+            <a:avLst/>
+          </a:prstGeom>
+        </p:spPr>
+        <p:txBody>
+          <a:bodyPr vert="horz" lIns="91440" tIns="45720" rIns="91440" bIns="45720" rtlCol="0">
+            <a:normAutofit/>
+          </a:bodyPr>
+          <a:lstStyle>
+            <a:lvl1pPr marL="0" indent="0" algn="ctr" defTabSz="914400" rtl="0" eaLnBrk="1" latinLnBrk="0" hangingPunct="1">
+              <a:lnSpc>
+                <a:spcPct val="90000"/>
+              </a:lnSpc>
+              <a:spcBef>
+                <a:spcPts val="1000"/>
+              </a:spcBef>
+              <a:buFont typeface="Arial" panose="020B0604020202020204" pitchFamily="34" charset="0"/>
+              <a:buNone/>
+              <a:defRPr sz="2400" kern="1200">
+                <a:solidFill>
+                  <a:schemeClr val="tx1"/>
+                </a:solidFill>
+                <a:latin typeface="+mn-lt"/>
+                <a:ea typeface="+mn-ea"/>
+                <a:cs typeface="+mn-cs"/>
+              </a:defRPr>
+            </a:lvl1pPr>
+            <a:lvl2pPr marL="457200" indent="0" algn="ctr" defTabSz="914400" rtl="0" eaLnBrk="1" latinLnBrk="0" hangingPunct="1">
+              <a:lnSpc>
+                <a:spcPct val="90000"/>
+              </a:lnSpc>
+              <a:spcBef>
+                <a:spcPts val="500"/>
+              </a:spcBef>
+              <a:buFont typeface="Arial" panose="020B0604020202020204" pitchFamily="34" charset="0"/>
+              <a:buNone/>
+              <a:defRPr sz="2000" kern="1200">
+                <a:solidFill>
+                  <a:schemeClr val="tx1"/>
+                </a:solidFill>
+                <a:latin typeface="+mn-lt"/>
+                <a:ea typeface="+mn-ea"/>
+                <a:cs typeface="+mn-cs"/>
+              </a:defRPr>
+            </a:lvl2pPr>
+            <a:lvl3pPr marL="914400" indent="0" algn="ctr" defTabSz="914400" rtl="0" eaLnBrk="1" latinLnBrk="0" hangingPunct="1">
+              <a:lnSpc>
+                <a:spcPct val="90000"/>
+              </a:lnSpc>
+              <a:spcBef>
+                <a:spcPts val="500"/>
+              </a:spcBef>
+              <a:buFont typeface="Arial" panose="020B0604020202020204" pitchFamily="34" charset="0"/>
+              <a:buNone/>
+              <a:defRPr sz="1800" kern="1200">
+                <a:solidFill>
+                  <a:schemeClr val="tx1"/>
+                </a:solidFill>
+                <a:latin typeface="+mn-lt"/>
+                <a:ea typeface="+mn-ea"/>
+                <a:cs typeface="+mn-cs"/>
+              </a:defRPr>
+            </a:lvl3pPr>
+            <a:lvl4pPr marL="1371600" indent="0" algn="ctr" defTabSz="914400" rtl="0" eaLnBrk="1" latinLnBrk="0" hangingPunct="1">
+              <a:lnSpc>
+                <a:spcPct val="90000"/>
+              </a:lnSpc>
+              <a:spcBef>
+                <a:spcPts val="500"/>
+              </a:spcBef>
+              <a:buFont typeface="Arial" panose="020B0604020202020204" pitchFamily="34" charset="0"/>
+              <a:buNone/>
+              <a:defRPr sz="1600" kern="1200">
+                <a:solidFill>
+                  <a:schemeClr val="tx1"/>
+                </a:solidFill>
+                <a:latin typeface="+mn-lt"/>
+                <a:ea typeface="+mn-ea"/>
+                <a:cs typeface="+mn-cs"/>
+              </a:defRPr>
+            </a:lvl4pPr>
+            <a:lvl5pPr marL="1828800" indent="0" algn="ctr" defTabSz="914400" rtl="0" eaLnBrk="1" latinLnBrk="0" hangingPunct="1">
+              <a:lnSpc>
+                <a:spcPct val="90000"/>
+              </a:lnSpc>
+              <a:spcBef>
+                <a:spcPts val="500"/>
+              </a:spcBef>
+              <a:buFont typeface="Arial" panose="020B0604020202020204" pitchFamily="34" charset="0"/>
+              <a:buNone/>
+              <a:defRPr sz="1600" kern="1200">
+                <a:solidFill>
+                  <a:schemeClr val="tx1"/>
+                </a:solidFill>
+                <a:latin typeface="+mn-lt"/>
+                <a:ea typeface="+mn-ea"/>
+                <a:cs typeface="+mn-cs"/>
+              </a:defRPr>
+            </a:lvl5pPr>
+            <a:lvl6pPr marL="2286000" indent="0" algn="ctr" defTabSz="914400" rtl="0" eaLnBrk="1" latinLnBrk="0" hangingPunct="1">
+              <a:lnSpc>
+                <a:spcPct val="90000"/>
+              </a:lnSpc>
+              <a:spcBef>
+                <a:spcPts val="500"/>
+              </a:spcBef>
+              <a:buFont typeface="Arial" panose="020B0604020202020204" pitchFamily="34" charset="0"/>
+              <a:buNone/>
+              <a:defRPr sz="1600" kern="1200">
+                <a:solidFill>
+                  <a:schemeClr val="tx1"/>
+                </a:solidFill>
+                <a:latin typeface="+mn-lt"/>
+                <a:ea typeface="+mn-ea"/>
+                <a:cs typeface="+mn-cs"/>
+              </a:defRPr>
+            </a:lvl6pPr>
+            <a:lvl7pPr marL="2743200" indent="0" algn="ctr" defTabSz="914400" rtl="0" eaLnBrk="1" latinLnBrk="0" hangingPunct="1">
+              <a:lnSpc>
+                <a:spcPct val="90000"/>
+              </a:lnSpc>
+              <a:spcBef>
+                <a:spcPts val="500"/>
+              </a:spcBef>
+              <a:buFont typeface="Arial" panose="020B0604020202020204" pitchFamily="34" charset="0"/>
+              <a:buNone/>
+              <a:defRPr sz="1600" kern="1200">
+                <a:solidFill>
+                  <a:schemeClr val="tx1"/>
+                </a:solidFill>
+                <a:latin typeface="+mn-lt"/>
+                <a:ea typeface="+mn-ea"/>
+                <a:cs typeface="+mn-cs"/>
+              </a:defRPr>
+            </a:lvl7pPr>
+            <a:lvl8pPr marL="3200400" indent="0" algn="ctr" defTabSz="914400" rtl="0" eaLnBrk="1" latinLnBrk="0" hangingPunct="1">
+              <a:lnSpc>
+                <a:spcPct val="90000"/>
+              </a:lnSpc>
+              <a:spcBef>
+                <a:spcPts val="500"/>
+              </a:spcBef>
+              <a:buFont typeface="Arial" panose="020B0604020202020204" pitchFamily="34" charset="0"/>
+              <a:buNone/>
+              <a:defRPr sz="1600" kern="1200">
+                <a:solidFill>
+                  <a:schemeClr val="tx1"/>
+                </a:solidFill>
+                <a:latin typeface="+mn-lt"/>
+                <a:ea typeface="+mn-ea"/>
+                <a:cs typeface="+mn-cs"/>
+              </a:defRPr>
+            </a:lvl8pPr>
+            <a:lvl9pPr marL="3657600" indent="0" algn="ctr" defTabSz="914400" rtl="0" eaLnBrk="1" latinLnBrk="0" hangingPunct="1">
+              <a:lnSpc>
+                <a:spcPct val="90000"/>
+              </a:lnSpc>
+              <a:spcBef>
+                <a:spcPts val="500"/>
+              </a:spcBef>
+              <a:buFont typeface="Arial" panose="020B0604020202020204" pitchFamily="34" charset="0"/>
+              <a:buNone/>
+              <a:defRPr sz="1600" kern="1200">
+                <a:solidFill>
+                  <a:schemeClr val="tx1"/>
+                </a:solidFill>
+                <a:latin typeface="+mn-lt"/>
+                <a:ea typeface="+mn-ea"/>
+                <a:cs typeface="+mn-cs"/>
+              </a:defRPr>
+            </a:lvl9pPr>
+          </a:lstStyle>
+          <a:p>
+            <a:r>
+              <a:rPr lang="en-US" sz="1400" dirty="0">
+                <a:latin typeface="Euclid Circular A" panose="020B0504000000000000" pitchFamily="34" charset="0"/>
+              </a:rPr>
+              <a:t>08-01-2025</a:t>
+            </a:r>
+            <a:endParaRPr lang="en-NL" sz="1400" dirty="0">
+              <a:latin typeface="Euclid Circular A" panose="020B0504000000000000" pitchFamily="34" charset="0"/>
+            </a:endParaRPr>
+          </a:p>
+        </p:txBody>
+      </p:sp>
     </p:spTree>
     <p:extLst>
       <p:ext uri="{BB962C8B-B14F-4D97-AF65-F5344CB8AC3E}">
@@ -4905,6 +5109,36 @@
           </a:p>
         </p:txBody>
       </p:sp>
+      <p:pic>
+        <p:nvPicPr>
+          <p:cNvPr id="6" name="Picture 5">
+            <a:extLst>
+              <a:ext uri="{FF2B5EF4-FFF2-40B4-BE49-F238E27FC236}">
+                <a16:creationId xmlns:a16="http://schemas.microsoft.com/office/drawing/2014/main" id="{13A1FDC8-FC16-F49C-0EA7-67763FCDEBE2}"/>
+              </a:ext>
+            </a:extLst>
+          </p:cNvPr>
+          <p:cNvPicPr>
+            <a:picLocks noChangeAspect="1"/>
+          </p:cNvPicPr>
+          <p:nvPr/>
+        </p:nvPicPr>
+        <p:blipFill>
+          <a:blip r:embed="rId2"/>
+          <a:stretch>
+            <a:fillRect/>
+          </a:stretch>
+        </p:blipFill>
+        <p:spPr>
+          <a:xfrm>
+            <a:off x="4123700" y="3841965"/>
+            <a:ext cx="2844960" cy="1818909"/>
+          </a:xfrm>
+          <a:prstGeom prst="rect">
+            <a:avLst/>
+          </a:prstGeom>
+        </p:spPr>
+      </p:pic>
     </p:spTree>
     <p:extLst>
       <p:ext uri="{BB962C8B-B14F-4D97-AF65-F5344CB8AC3E}">
@@ -5143,6 +5377,66 @@
           </a:p>
         </p:txBody>
       </p:sp>
+      <p:pic>
+        <p:nvPicPr>
+          <p:cNvPr id="3" name="Picture 2">
+            <a:extLst>
+              <a:ext uri="{FF2B5EF4-FFF2-40B4-BE49-F238E27FC236}">
+                <a16:creationId xmlns:a16="http://schemas.microsoft.com/office/drawing/2014/main" id="{D1F7A539-4F40-6B82-21FA-9667B7495E9D}"/>
+              </a:ext>
+            </a:extLst>
+          </p:cNvPr>
+          <p:cNvPicPr>
+            <a:picLocks noChangeAspect="1"/>
+          </p:cNvPicPr>
+          <p:nvPr/>
+        </p:nvPicPr>
+        <p:blipFill>
+          <a:blip r:embed="rId2"/>
+          <a:stretch>
+            <a:fillRect/>
+          </a:stretch>
+        </p:blipFill>
+        <p:spPr>
+          <a:xfrm>
+            <a:off x="696952" y="1679070"/>
+            <a:ext cx="5117716" cy="3777593"/>
+          </a:xfrm>
+          <a:prstGeom prst="rect">
+            <a:avLst/>
+          </a:prstGeom>
+        </p:spPr>
+      </p:pic>
+      <p:pic>
+        <p:nvPicPr>
+          <p:cNvPr id="6" name="Picture 5">
+            <a:extLst>
+              <a:ext uri="{FF2B5EF4-FFF2-40B4-BE49-F238E27FC236}">
+                <a16:creationId xmlns:a16="http://schemas.microsoft.com/office/drawing/2014/main" id="{99FFDA0E-1316-3323-E80A-A59EBD8E1CD5}"/>
+              </a:ext>
+            </a:extLst>
+          </p:cNvPr>
+          <p:cNvPicPr>
+            <a:picLocks noChangeAspect="1"/>
+          </p:cNvPicPr>
+          <p:nvPr/>
+        </p:nvPicPr>
+        <p:blipFill>
+          <a:blip r:embed="rId3"/>
+          <a:stretch>
+            <a:fillRect/>
+          </a:stretch>
+        </p:blipFill>
+        <p:spPr>
+          <a:xfrm>
+            <a:off x="6247486" y="1679070"/>
+            <a:ext cx="5528355" cy="3777593"/>
+          </a:xfrm>
+          <a:prstGeom prst="rect">
+            <a:avLst/>
+          </a:prstGeom>
+        </p:spPr>
+      </p:pic>
     </p:spTree>
     <p:extLst>
       <p:ext uri="{BB962C8B-B14F-4D97-AF65-F5344CB8AC3E}">
